--- a/Docs/LVOOP_vip2012_e.pptx
+++ b/Docs/LVOOP_vip2012_e.pptx
@@ -209,7 +209,7 @@
             <a:fld id="{6F14095A-A8C5-4CE7-AD6F-21E3B5E2557D}" type="datetimeFigureOut">
               <a:rPr lang="de-DE" smtClean="0"/>
               <a:pPr/>
-              <a:t>04.01.2013</a:t>
+              <a:t>28.05.2013</a:t>
             </a:fld>
             <a:endParaRPr lang="de-DE"/>
           </a:p>
@@ -2222,15 +2222,7 @@
           <a:p>
             <a:r>
               <a:rPr lang="en-US" dirty="0" smtClean="0"/>
-              <a:t>Introduction to object oriented </a:t>
-            </a:r>
-            <a:r>
-              <a:rPr lang="en-US" dirty="0" smtClean="0"/>
-              <a:t>p</a:t>
-            </a:r>
-            <a:r>
-              <a:rPr lang="en-US" dirty="0" smtClean="0"/>
-              <a:t>rogramming with LabVIEW</a:t>
+              <a:t>Introduction to object oriented programming with LabVIEW</a:t>
             </a:r>
           </a:p>
           <a:p>
@@ -2333,11 +2325,7 @@
           <a:p>
             <a:r>
               <a:rPr lang="en-US" dirty="0" smtClean="0"/>
-              <a:t>Pros</a:t>
-            </a:r>
-            <a:r>
-              <a:rPr lang="en-US" dirty="0" smtClean="0"/>
-              <a:t> of LVOOP Classes</a:t>
+              <a:t>Pros of LVOOP Classes</a:t>
             </a:r>
             <a:br>
               <a:rPr lang="en-US" dirty="0" smtClean="0"/>
@@ -2484,19 +2472,7 @@
             </a:pPr>
             <a:r>
               <a:rPr lang="en-US" sz="1600" dirty="0" smtClean="0"/>
-              <a:t>Derived c</a:t>
-            </a:r>
-            <a:r>
-              <a:rPr lang="en-US" sz="1600" dirty="0" smtClean="0"/>
-              <a:t>lasses extend the </a:t>
-            </a:r>
-            <a:r>
-              <a:rPr lang="en-US" sz="1600" dirty="0" smtClean="0"/>
-              <a:t>a</a:t>
-            </a:r>
-            <a:r>
-              <a:rPr lang="en-US" sz="1600" dirty="0" smtClean="0"/>
-              <a:t>ttributes </a:t>
+              <a:t>Derived classes extend the attributes </a:t>
             </a:r>
             <a:r>
               <a:rPr lang="en-US" sz="1600" dirty="0"/>
@@ -2684,15 +2660,7 @@
             </a:pPr>
             <a:r>
               <a:rPr lang="en-US" sz="1600" b="1" dirty="0" smtClean="0"/>
-              <a:t>(Copy-) </a:t>
-            </a:r>
-            <a:r>
-              <a:rPr lang="en-US" sz="1600" b="1" dirty="0" smtClean="0"/>
-              <a:t>C</a:t>
-            </a:r>
-            <a:r>
-              <a:rPr lang="en-US" sz="1600" b="1" dirty="0" smtClean="0"/>
-              <a:t>onstructors </a:t>
+              <a:t>(Copy-) Constructors </a:t>
             </a:r>
             <a:r>
               <a:rPr lang="en-US" sz="1600" b="1" dirty="0"/>
@@ -2764,11 +2732,7 @@
             </a:pPr>
             <a:r>
               <a:rPr lang="en-US" sz="1100" dirty="0" err="1" smtClean="0"/>
-              <a:t>XC</a:t>
-            </a:r>
-            <a:r>
-              <a:rPr lang="en-US" sz="1100" dirty="0" err="1" smtClean="0"/>
-              <a:t>ontrols</a:t>
+              <a:t>XControls</a:t>
             </a:r>
             <a:r>
               <a:rPr lang="en-US" sz="1100" dirty="0" smtClean="0"/>
@@ -2782,15 +2746,7 @@
             </a:pPr>
             <a:r>
               <a:rPr lang="en-US" sz="1600" b="1" dirty="0" smtClean="0"/>
-              <a:t>Polymorphic </a:t>
-            </a:r>
-            <a:r>
-              <a:rPr lang="en-US" sz="1600" b="1" dirty="0" smtClean="0"/>
-              <a:t>c</a:t>
-            </a:r>
-            <a:r>
-              <a:rPr lang="en-US" sz="1600" b="1" dirty="0" smtClean="0"/>
-              <a:t>lass-VIs are not supported.</a:t>
+              <a:t>Polymorphic class-VIs are not supported.</a:t>
             </a:r>
           </a:p>
           <a:p>
@@ -2820,11 +2776,7 @@
             </a:pPr>
             <a:r>
               <a:rPr lang="en-US" sz="1100" dirty="0" smtClean="0"/>
-              <a:t>Es</a:t>
-            </a:r>
-            <a:r>
-              <a:rPr lang="en-US" sz="1100" dirty="0" smtClean="0"/>
-              <a:t>pecially Variant-Attributes.</a:t>
+              <a:t>Especially Variant-Attributes.</a:t>
             </a:r>
           </a:p>
           <a:p>
@@ -2848,11 +2800,7 @@
             </a:r>
             <a:r>
               <a:rPr lang="en-US" sz="1400" b="1" dirty="0" smtClean="0"/>
-              <a:t>C</a:t>
-            </a:r>
-            <a:r>
-              <a:rPr lang="en-US" sz="1400" b="1" dirty="0" smtClean="0"/>
-              <a:t>omposition design pattern</a:t>
+              <a:t>Composition design pattern</a:t>
             </a:r>
           </a:p>
           <a:p>
@@ -2896,11 +2844,7 @@
             </a:pPr>
             <a:r>
               <a:rPr lang="en-US" sz="1100" dirty="0" smtClean="0"/>
-              <a:t>Danger of deadlock</a:t>
-            </a:r>
-            <a:r>
-              <a:rPr lang="en-US" sz="1100" dirty="0" smtClean="0"/>
-              <a:t>s</a:t>
+              <a:t>Danger of deadlocks</a:t>
             </a:r>
             <a:endParaRPr lang="en-US" sz="1100" dirty="0"/>
           </a:p>
@@ -3377,15 +3321,7 @@
           <a:p>
             <a:r>
               <a:rPr lang="en-US" sz="2000" b="1" dirty="0" smtClean="0"/>
-              <a:t>Possible cases for the application of LVOOP </a:t>
-            </a:r>
-            <a:r>
-              <a:rPr lang="en-US" sz="2000" b="1" dirty="0" smtClean="0"/>
-              <a:t>c</a:t>
-            </a:r>
-            <a:r>
-              <a:rPr lang="en-US" sz="2000" b="1" dirty="0" smtClean="0"/>
-              <a:t>lasses:</a:t>
+              <a:t>Possible cases for the application of LVOOP classes:</a:t>
             </a:r>
           </a:p>
           <a:p>
@@ -3395,47 +3331,27 @@
             </a:pPr>
             <a:r>
               <a:rPr lang="en-US" sz="2000" dirty="0" smtClean="0"/>
-              <a:t>Cluster or </a:t>
-            </a:r>
+              <a:t>Cluster or type definitions, which become potentially extended, can be replaced with classes.</a:t>
+            </a:r>
+          </a:p>
+          <a:p>
+            <a:pPr marL="800100" lvl="1" indent="-342900">
+              <a:buFont typeface="Arial" pitchFamily="34" charset="0"/>
+              <a:buChar char="•"/>
+            </a:pPr>
+            <a:r>
+              <a:rPr lang="en-US" sz="1800" dirty="0" smtClean="0"/>
+              <a:t>Derives classes add attributes to the ancestor class. </a:t>
+            </a:r>
+          </a:p>
+          <a:p>
+            <a:pPr marL="342900" indent="-342900">
+              <a:buFont typeface="Arial" pitchFamily="34" charset="0"/>
+              <a:buChar char="•"/>
+            </a:pPr>
             <a:r>
               <a:rPr lang="en-US" sz="2000" dirty="0" smtClean="0"/>
-              <a:t>t</a:t>
-            </a:r>
-            <a:r>
-              <a:rPr lang="en-US" sz="2000" dirty="0" smtClean="0"/>
-              <a:t>ype definitions, which become potentially extended, can be replaced with classes.</a:t>
-            </a:r>
-          </a:p>
-          <a:p>
-            <a:pPr marL="800100" lvl="1" indent="-342900">
-              <a:buFont typeface="Arial" pitchFamily="34" charset="0"/>
-              <a:buChar char="•"/>
-            </a:pPr>
-            <a:r>
-              <a:rPr lang="en-US" sz="1800" dirty="0" smtClean="0"/>
-              <a:t>Derives classes</a:t>
-            </a:r>
-            <a:r>
-              <a:rPr lang="en-US" sz="1800" dirty="0" smtClean="0"/>
-              <a:t> add attributes to the ancestor class. </a:t>
-            </a:r>
-          </a:p>
-          <a:p>
-            <a:pPr marL="342900" indent="-342900">
-              <a:buFont typeface="Arial" pitchFamily="34" charset="0"/>
-              <a:buChar char="•"/>
-            </a:pPr>
-            <a:r>
-              <a:rPr lang="en-US" sz="2000" dirty="0" smtClean="0"/>
-              <a:t>Replacement of data type dependent (</a:t>
-            </a:r>
-            <a:r>
-              <a:rPr lang="en-US" sz="2000" dirty="0" smtClean="0"/>
-              <a:t>e</a:t>
-            </a:r>
-            <a:r>
-              <a:rPr lang="en-US" sz="2000" dirty="0" smtClean="0"/>
-              <a:t>.g. </a:t>
+              <a:t>Replacement of data type dependent (e.g. </a:t>
             </a:r>
             <a:r>
               <a:rPr lang="en-US" sz="2000" i="1" dirty="0" smtClean="0"/>
@@ -3476,11 +3392,15 @@
             </a:br>
             <a:r>
               <a:rPr lang="en-US" sz="1800" i="1" dirty="0" smtClean="0"/>
-              <a:t>Overwrite</a:t>
+              <a:t>Override</a:t>
             </a:r>
             <a:r>
               <a:rPr lang="en-US" sz="1800" dirty="0" smtClean="0"/>
-              <a:t>-VI is called.</a:t>
+              <a:t>-VI </a:t>
+            </a:r>
+            <a:r>
+              <a:rPr lang="en-US" sz="1800" dirty="0" smtClean="0"/>
+              <a:t>is called.</a:t>
             </a:r>
           </a:p>
           <a:p>
@@ -4021,15 +3941,7 @@
           <a:p>
             <a:r>
               <a:rPr lang="en-US" dirty="0" smtClean="0"/>
-              <a:t>LVOOP Example: Read </a:t>
-            </a:r>
-            <a:r>
-              <a:rPr lang="en-US" dirty="0" smtClean="0"/>
-              <a:t>c</a:t>
-            </a:r>
-            <a:r>
-              <a:rPr lang="en-US" dirty="0" smtClean="0"/>
-              <a:t>onfiguration</a:t>
+              <a:t>LVOOP Example: Read configuration</a:t>
             </a:r>
             <a:endParaRPr lang="en-US" dirty="0"/>
           </a:p>
@@ -4163,45 +4075,13 @@
           <a:p>
             <a:r>
               <a:rPr lang="de-DE" sz="1600" dirty="0" smtClean="0"/>
-              <a:t>String 1 = </a:t>
-            </a:r>
+              <a:t>String 1 = „Two_1"</a:t>
+            </a:r>
+          </a:p>
+          <a:p>
             <a:r>
               <a:rPr lang="de-DE" sz="1600" dirty="0" smtClean="0"/>
-              <a:t>„</a:t>
-            </a:r>
-            <a:r>
-              <a:rPr lang="de-DE" sz="1600" dirty="0" smtClean="0"/>
-              <a:t>Two</a:t>
-            </a:r>
-            <a:r>
-              <a:rPr lang="de-DE" sz="1600" dirty="0" smtClean="0"/>
-              <a:t>_1</a:t>
-            </a:r>
-            <a:r>
-              <a:rPr lang="de-DE" sz="1600" dirty="0" smtClean="0"/>
-              <a:t>"</a:t>
-            </a:r>
-          </a:p>
-          <a:p>
-            <a:r>
-              <a:rPr lang="de-DE" sz="1600" dirty="0" smtClean="0"/>
-              <a:t>String 2 = </a:t>
-            </a:r>
-            <a:r>
-              <a:rPr lang="de-DE" sz="1600" dirty="0" smtClean="0"/>
-              <a:t>„</a:t>
-            </a:r>
-            <a:r>
-              <a:rPr lang="de-DE" sz="1600" dirty="0" smtClean="0"/>
-              <a:t>Two</a:t>
-            </a:r>
-            <a:r>
-              <a:rPr lang="de-DE" sz="1600" dirty="0" smtClean="0"/>
-              <a:t>_2</a:t>
-            </a:r>
-            <a:r>
-              <a:rPr lang="de-DE" sz="1600" dirty="0" smtClean="0"/>
-              <a:t>"</a:t>
+              <a:t>String 2 = „Two_2"</a:t>
             </a:r>
           </a:p>
           <a:p>
@@ -4266,15 +4146,7 @@
             </a:r>
             <a:r>
               <a:rPr lang="de-DE" sz="1600" dirty="0" smtClean="0"/>
-              <a:t>„</a:t>
-            </a:r>
-            <a:r>
-              <a:rPr lang="de-DE" sz="1600" dirty="0" smtClean="0"/>
-              <a:t>Two</a:t>
-            </a:r>
-            <a:r>
-              <a:rPr lang="de-DE" sz="1600" dirty="0" smtClean="0"/>
-              <a:t>_a_1</a:t>
+              <a:t>„Two_a_1</a:t>
             </a:r>
             <a:r>
               <a:rPr lang="de-DE" sz="1600" dirty="0"/>
@@ -4288,15 +4160,7 @@
             </a:r>
             <a:r>
               <a:rPr lang="de-DE" sz="1600" dirty="0" smtClean="0"/>
-              <a:t>„</a:t>
-            </a:r>
-            <a:r>
-              <a:rPr lang="de-DE" sz="1600" dirty="0" smtClean="0"/>
-              <a:t>Two</a:t>
-            </a:r>
-            <a:r>
-              <a:rPr lang="de-DE" sz="1600" dirty="0" smtClean="0"/>
-              <a:t>_a_2</a:t>
+              <a:t>„Two_a_2</a:t>
             </a:r>
             <a:r>
               <a:rPr lang="de-DE" sz="1600" dirty="0"/>
@@ -5270,11 +5134,7 @@
           <a:p>
             <a:r>
               <a:rPr lang="en-US" dirty="0" smtClean="0"/>
-              <a:t>Derived c</a:t>
-            </a:r>
-            <a:r>
-              <a:rPr lang="en-US" dirty="0" smtClean="0"/>
-              <a:t>lass (</a:t>
+              <a:t>Derived class (</a:t>
             </a:r>
             <a:r>
               <a:rPr lang="en-US" i="1" dirty="0" smtClean="0"/>
@@ -5350,7 +5210,11 @@
             </a:r>
             <a:r>
               <a:rPr lang="en-US" i="1" dirty="0" smtClean="0"/>
-              <a:t>public, overwrite</a:t>
+              <a:t>public, </a:t>
+            </a:r>
+            <a:r>
+              <a:rPr lang="en-US" i="1" dirty="0" smtClean="0"/>
+              <a:t>override</a:t>
             </a:r>
             <a:r>
               <a:rPr lang="en-US" dirty="0" smtClean="0"/>
@@ -5384,15 +5248,7 @@
           <a:p>
             <a:r>
               <a:rPr lang="en-US" dirty="0" smtClean="0"/>
-              <a:t>Section </a:t>
-            </a:r>
-            <a:r>
-              <a:rPr lang="en-US" dirty="0" smtClean="0"/>
-              <a:t>c</a:t>
-            </a:r>
-            <a:r>
-              <a:rPr lang="en-US" dirty="0" smtClean="0"/>
-              <a:t>lass (</a:t>
+              <a:t>Section class (</a:t>
             </a:r>
             <a:r>
               <a:rPr lang="en-US" i="1" dirty="0" smtClean="0"/>
@@ -6523,15 +6379,7 @@
             </a:br>
             <a:r>
               <a:rPr lang="en-US" sz="2000" i="1" dirty="0" smtClean="0"/>
-              <a:t>Object</a:t>
-            </a:r>
-            <a:r>
-              <a:rPr lang="en-US" sz="2000" i="1" dirty="0" smtClean="0"/>
-              <a:t> </a:t>
-            </a:r>
-            <a:r>
-              <a:rPr lang="en-US" sz="2000" i="1" dirty="0" smtClean="0"/>
-              <a:t>oriented approach – Actor Framework Template</a:t>
+              <a:t>Object oriented approach – Actor Framework Template</a:t>
             </a:r>
           </a:p>
           <a:p>
@@ -6773,23 +6621,7 @@
             </a:pPr>
             <a:r>
               <a:rPr lang="en-US" dirty="0" smtClean="0"/>
-              <a:t>Insertion: LabVIEW </a:t>
-            </a:r>
-            <a:r>
-              <a:rPr lang="en-US" dirty="0" smtClean="0"/>
-              <a:t>d</a:t>
-            </a:r>
-            <a:r>
-              <a:rPr lang="en-US" dirty="0" smtClean="0"/>
-              <a:t>ataflow </a:t>
-            </a:r>
-            <a:r>
-              <a:rPr lang="en-US" dirty="0" smtClean="0"/>
-              <a:t>c</a:t>
-            </a:r>
-            <a:r>
-              <a:rPr lang="en-US" dirty="0" smtClean="0"/>
-              <a:t>oncept</a:t>
+              <a:t>Insertion: LabVIEW dataflow concept</a:t>
             </a:r>
           </a:p>
           <a:p>
@@ -6809,11 +6641,7 @@
             </a:pPr>
             <a:r>
               <a:rPr lang="en-US" dirty="0" smtClean="0"/>
-              <a:t>C</a:t>
-            </a:r>
-            <a:r>
-              <a:rPr lang="en-US" dirty="0" smtClean="0"/>
-              <a:t>lasses </a:t>
+              <a:t>Classes </a:t>
             </a:r>
             <a:r>
               <a:rPr lang="en-US" dirty="0"/>
@@ -6841,7 +6669,6 @@
               <a:rPr lang="en-US" dirty="0" smtClean="0"/>
               <a:t>Inheritance</a:t>
             </a:r>
-            <a:endParaRPr lang="en-US" dirty="0" smtClean="0"/>
           </a:p>
           <a:p>
             <a:pPr marL="800100" lvl="1" indent="-342900">
@@ -6850,11 +6677,7 @@
             </a:pPr>
             <a:r>
               <a:rPr lang="en-US" dirty="0" smtClean="0"/>
-              <a:t>Pros</a:t>
-            </a:r>
-            <a:r>
-              <a:rPr lang="en-US" dirty="0" smtClean="0"/>
-              <a:t> </a:t>
+              <a:t>Pros </a:t>
             </a:r>
             <a:r>
               <a:rPr lang="en-US" dirty="0"/>
@@ -7029,7 +6852,6 @@
               <a:rPr lang="en-US" dirty="0" smtClean="0"/>
               <a:t>Libraries</a:t>
             </a:r>
-            <a:endParaRPr lang="en-US" dirty="0" smtClean="0"/>
           </a:p>
           <a:p>
             <a:pPr marL="800100" lvl="1" indent="-342900">
@@ -7068,23 +6890,7 @@
             </a:pPr>
             <a:r>
               <a:rPr lang="en-US" dirty="0" smtClean="0"/>
-              <a:t>LabVIEW-</a:t>
-            </a:r>
-            <a:r>
-              <a:rPr lang="en-US" dirty="0" smtClean="0"/>
-              <a:t>C</a:t>
-            </a:r>
-            <a:r>
-              <a:rPr lang="en-US" dirty="0" smtClean="0"/>
-              <a:t>lasses enables a developer to define his own </a:t>
-            </a:r>
-            <a:r>
-              <a:rPr lang="en-US" dirty="0" smtClean="0"/>
-              <a:t>d</a:t>
-            </a:r>
-            <a:r>
-              <a:rPr lang="en-US" dirty="0" smtClean="0"/>
-              <a:t>ata types, that provide much more abilities than (strict) type-definitions.</a:t>
+              <a:t>LabVIEW-Classes enables a developer to define his own data types, that provide much more abilities than (strict) type-definitions.</a:t>
             </a:r>
           </a:p>
           <a:p>
@@ -7258,11 +7064,7 @@
             </a:r>
             <a:r>
               <a:rPr lang="en-US" dirty="0" err="1" smtClean="0"/>
-              <a:t>i</a:t>
-            </a:r>
-            <a:r>
-              <a:rPr lang="en-US" dirty="0" err="1" smtClean="0"/>
-              <a:t>ni</a:t>
+              <a:t>ini</a:t>
             </a:r>
             <a:r>
               <a:rPr lang="en-US" dirty="0" smtClean="0"/>
@@ -7416,15 +7218,7 @@
             </a:r>
             <a:r>
               <a:rPr lang="en-US" dirty="0" smtClean="0"/>
-              <a:t>=“</a:t>
-            </a:r>
-            <a:r>
-              <a:rPr lang="en-US" dirty="0" smtClean="0"/>
-              <a:t>one</a:t>
-            </a:r>
-            <a:r>
-              <a:rPr lang="en-US" dirty="0" smtClean="0"/>
-              <a:t>"</a:t>
+              <a:t>=“one"</a:t>
             </a:r>
             <a:endParaRPr lang="en-US" dirty="0"/>
           </a:p>
@@ -7435,15 +7229,7 @@
             </a:r>
             <a:r>
               <a:rPr lang="en-US" dirty="0" smtClean="0"/>
-              <a:t>=“</a:t>
-            </a:r>
-            <a:r>
-              <a:rPr lang="en-US" dirty="0" smtClean="0"/>
-              <a:t>two</a:t>
-            </a:r>
-            <a:r>
-              <a:rPr lang="en-US" dirty="0" smtClean="0"/>
-              <a:t>"</a:t>
+              <a:t>=“two"</a:t>
             </a:r>
             <a:endParaRPr lang="de-DE" dirty="0"/>
           </a:p>
@@ -7592,11 +7378,7 @@
             </a:r>
             <a:r>
               <a:rPr lang="de-DE" dirty="0" err="1" smtClean="0"/>
-              <a:t>D</a:t>
-            </a:r>
-            <a:r>
-              <a:rPr lang="de-DE" dirty="0" err="1" smtClean="0"/>
-              <a:t>efinitions</a:t>
+              <a:t>Definitions</a:t>
             </a:r>
             <a:endParaRPr lang="de-DE" dirty="0"/>
           </a:p>
@@ -7638,15 +7420,7 @@
             </a:pPr>
             <a:r>
               <a:rPr lang="en-US" sz="1800" dirty="0" smtClean="0"/>
-              <a:t>Each cluster is a separate </a:t>
-            </a:r>
-            <a:r>
-              <a:rPr lang="en-US" sz="1800" dirty="0" smtClean="0"/>
-              <a:t>t</a:t>
-            </a:r>
-            <a:r>
-              <a:rPr lang="en-US" sz="1800" dirty="0" smtClean="0"/>
-              <a:t>ype definition (.</a:t>
+              <a:t>Each cluster is a separate type definition (.</a:t>
             </a:r>
             <a:r>
               <a:rPr lang="en-US" sz="1800" dirty="0" err="1" smtClean="0"/>
@@ -7694,11 +7468,7 @@
             </a:pPr>
             <a:r>
               <a:rPr lang="en-US" sz="2000" dirty="0" smtClean="0"/>
-              <a:t>Pros</a:t>
-            </a:r>
-            <a:r>
-              <a:rPr lang="en-US" sz="2000" dirty="0" smtClean="0"/>
-              <a:t>: </a:t>
+              <a:t>Pros: </a:t>
             </a:r>
           </a:p>
           <a:p>
@@ -7708,41 +7478,17 @@
             </a:pPr>
             <a:r>
               <a:rPr lang="en-US" sz="1800" dirty="0" smtClean="0"/>
-              <a:t>One output wire </a:t>
-            </a:r>
+              <a:t>One output wire left only!</a:t>
+            </a:r>
+          </a:p>
+          <a:p>
+            <a:pPr marL="800100" lvl="1" indent="-342900">
+              <a:buFont typeface="Arial" pitchFamily="34" charset="0"/>
+              <a:buChar char="•"/>
+            </a:pPr>
             <a:r>
               <a:rPr lang="en-US" sz="1800" dirty="0" smtClean="0"/>
-              <a:t>left only</a:t>
-            </a:r>
-            <a:r>
-              <a:rPr lang="en-US" sz="1800" dirty="0" smtClean="0"/>
-              <a:t>!</a:t>
-            </a:r>
-          </a:p>
-          <a:p>
-            <a:pPr marL="800100" lvl="1" indent="-342900">
-              <a:buFont typeface="Arial" pitchFamily="34" charset="0"/>
-              <a:buChar char="•"/>
-            </a:pPr>
-            <a:r>
-              <a:rPr lang="en-US" sz="1800" dirty="0" smtClean="0"/>
-              <a:t>Change of </a:t>
-            </a:r>
-            <a:r>
-              <a:rPr lang="en-US" sz="1800" dirty="0" smtClean="0"/>
-              <a:t>t</a:t>
-            </a:r>
-            <a:r>
-              <a:rPr lang="en-US" sz="1800" dirty="0" smtClean="0"/>
-              <a:t>ype definition applies to all </a:t>
-            </a:r>
-            <a:r>
-              <a:rPr lang="en-US" sz="1800" dirty="0" smtClean="0"/>
-              <a:t>c</a:t>
-            </a:r>
-            <a:r>
-              <a:rPr lang="en-US" sz="1800" dirty="0" smtClean="0"/>
-              <a:t>allers.</a:t>
+              <a:t>Change of type definition applies to all callers.</a:t>
             </a:r>
             <a:endParaRPr lang="en-US" sz="1800" dirty="0"/>
           </a:p>
@@ -7927,11 +7673,7 @@
           <a:p>
             <a:r>
               <a:rPr lang="en-US" dirty="0" smtClean="0"/>
-              <a:t>Goals</a:t>
-            </a:r>
-            <a:r>
-              <a:rPr lang="en-US" dirty="0" smtClean="0"/>
-              <a:t> with LVOOP</a:t>
+              <a:t>Goals with LVOOP</a:t>
             </a:r>
             <a:endParaRPr lang="en-US" dirty="0"/>
           </a:p>
@@ -7963,15 +7705,7 @@
             </a:pPr>
             <a:r>
               <a:rPr lang="en-US" sz="1800" dirty="0" smtClean="0"/>
-              <a:t>Extensibility: </a:t>
-            </a:r>
-            <a:r>
-              <a:rPr lang="en-US" sz="1800" dirty="0" smtClean="0"/>
-              <a:t>e</a:t>
-            </a:r>
-            <a:r>
-              <a:rPr lang="en-US" sz="1800" dirty="0" smtClean="0"/>
-              <a:t>.g. device parameters</a:t>
+              <a:t>Extensibility: e.g. device parameters</a:t>
             </a:r>
           </a:p>
           <a:p>
@@ -8003,7 +7737,6 @@
               <a:rPr lang="en-US" sz="1200" dirty="0" smtClean="0"/>
               <a:t>Some similar, but slightly different, device models</a:t>
             </a:r>
-            <a:endParaRPr lang="en-US" sz="1200" dirty="0" smtClean="0"/>
           </a:p>
           <a:p>
             <a:pPr marL="342900" indent="-342900">
@@ -8046,11 +7779,7 @@
             </a:pPr>
             <a:r>
               <a:rPr lang="en-US" sz="1800" dirty="0" err="1" smtClean="0"/>
-              <a:t>A</a:t>
-            </a:r>
-            <a:r>
-              <a:rPr lang="en-US" sz="1800" dirty="0" err="1" smtClean="0"/>
-              <a:t>nsatz</a:t>
+              <a:t>Ansatz</a:t>
             </a:r>
             <a:r>
               <a:rPr lang="en-US" sz="1800" dirty="0" smtClean="0"/>
@@ -8084,11 +7813,7 @@
             </a:r>
             <a:r>
               <a:rPr lang="en-US" sz="1600" dirty="0" smtClean="0"/>
-              <a:t>erived c</a:t>
-            </a:r>
-            <a:r>
-              <a:rPr lang="en-US" sz="1600" dirty="0" smtClean="0"/>
-              <a:t>lasses of </a:t>
+              <a:t>erived classes of </a:t>
             </a:r>
             <a:r>
               <a:rPr lang="en-US" sz="1800" i="1" dirty="0" smtClean="0"/>
@@ -8122,15 +7847,7 @@
             </a:r>
             <a:r>
               <a:rPr lang="en-US" sz="1600" dirty="0" smtClean="0"/>
-              <a:t> </a:t>
-            </a:r>
-            <a:r>
-              <a:rPr lang="en-US" sz="1600" dirty="0" smtClean="0"/>
-              <a:t>implement the</a:t>
-            </a:r>
-            <a:r>
-              <a:rPr lang="en-US" sz="1600" dirty="0" smtClean="0"/>
-              <a:t/>
+              <a:t> implement the</a:t>
             </a:r>
             <a:br>
               <a:rPr lang="en-US" sz="1600" dirty="0" smtClean="0"/>
@@ -9144,41 +8861,17 @@
             </a:pPr>
             <a:r>
               <a:rPr lang="en-US" sz="1100" dirty="0" smtClean="0"/>
-              <a:t>From</a:t>
-            </a:r>
+              <a:t>From front panel controls in case of interactive mode.</a:t>
+            </a:r>
+          </a:p>
+          <a:p>
+            <a:pPr marL="1714500" lvl="3" indent="-342900">
+              <a:buFont typeface="Arial" pitchFamily="34" charset="0"/>
+              <a:buChar char="•"/>
+            </a:pPr>
             <a:r>
               <a:rPr lang="en-US" sz="1100" dirty="0" smtClean="0"/>
-              <a:t> </a:t>
-            </a:r>
-            <a:r>
-              <a:rPr lang="en-US" sz="1100" dirty="0" smtClean="0"/>
-              <a:t>front panel</a:t>
-            </a:r>
-            <a:r>
-              <a:rPr lang="en-US" sz="1100" dirty="0" smtClean="0"/>
-              <a:t> controls in case of interactive mode.</a:t>
-            </a:r>
-          </a:p>
-          <a:p>
-            <a:pPr marL="1714500" lvl="3" indent="-342900">
-              <a:buFont typeface="Arial" pitchFamily="34" charset="0"/>
-              <a:buChar char="•"/>
-            </a:pPr>
-            <a:r>
-              <a:rPr lang="en-US" sz="1100" dirty="0" smtClean="0"/>
-              <a:t>From calling VI as parameter</a:t>
-            </a:r>
-            <a:r>
-              <a:rPr lang="en-US" sz="1100" dirty="0" smtClean="0"/>
-              <a:t> </a:t>
-            </a:r>
-            <a:r>
-              <a:rPr lang="en-US" sz="1100" dirty="0" smtClean="0"/>
-              <a:t>via connector pane</a:t>
-            </a:r>
-            <a:r>
-              <a:rPr lang="en-US" sz="1100" dirty="0" smtClean="0"/>
-              <a:t>.</a:t>
+              <a:t>From calling VI as parameter via connector pane.</a:t>
             </a:r>
           </a:p>
           <a:p>
@@ -9188,11 +8881,7 @@
             </a:pPr>
             <a:r>
               <a:rPr lang="en-US" sz="1600" dirty="0" smtClean="0"/>
-              <a:t>L</a:t>
-            </a:r>
-            <a:r>
-              <a:rPr lang="en-US" sz="1600" dirty="0" smtClean="0"/>
-              <a:t>ocal </a:t>
+              <a:t>Local </a:t>
             </a:r>
             <a:r>
               <a:rPr lang="en-US" sz="1600" dirty="0"/>
@@ -9200,23 +8889,11 @@
             </a:r>
             <a:r>
               <a:rPr lang="en-US" sz="1600" dirty="0" smtClean="0"/>
-              <a:t>nd global </a:t>
-            </a:r>
-            <a:r>
-              <a:rPr lang="en-US" sz="1600" dirty="0" smtClean="0"/>
-              <a:t>v</a:t>
-            </a:r>
-            <a:r>
-              <a:rPr lang="en-US" sz="1600" dirty="0" smtClean="0"/>
-              <a:t>ariables are not really variables with respect to common sense, but different places in memory which are copied by LabVIEW Runtime-Engine asynchronously. This can lead to unintentional </a:t>
+              <a:t>nd global variables are not really variables with respect to common sense, but different places in memory which are copied by LabVIEW Runtime-Engine asynchronously. This can lead to unintentional </a:t>
             </a:r>
             <a:r>
               <a:rPr lang="en-US" sz="1600" i="1" dirty="0" smtClean="0"/>
-              <a:t>r</a:t>
-            </a:r>
-            <a:r>
-              <a:rPr lang="en-US" sz="1600" i="1" dirty="0" smtClean="0"/>
-              <a:t>ace conditions</a:t>
+              <a:t>race conditions</a:t>
             </a:r>
             <a:r>
               <a:rPr lang="en-US" sz="1600" dirty="0" smtClean="0"/>
@@ -9242,23 +8919,7 @@
                   <a:srgbClr val="FF0000"/>
                 </a:solidFill>
               </a:rPr>
-              <a:t>opies of data ar</a:t>
-            </a:r>
-            <a:r>
-              <a:rPr lang="en-US" sz="1800" dirty="0" smtClean="0">
-                <a:solidFill>
-                  <a:srgbClr val="FF0000"/>
-                </a:solidFill>
-              </a:rPr>
-              <a:t>e created at wire forks</a:t>
-            </a:r>
-            <a:r>
-              <a:rPr lang="en-US" sz="1800" dirty="0" smtClean="0">
-                <a:solidFill>
-                  <a:srgbClr val="FF0000"/>
-                </a:solidFill>
-              </a:rPr>
-              <a:t>.</a:t>
+              <a:t>opies of data are created at wire forks.</a:t>
             </a:r>
           </a:p>
           <a:p>
@@ -9282,11 +8943,7 @@
             </a:r>
             <a:r>
               <a:rPr lang="en-US" sz="1600" i="1" dirty="0" smtClean="0"/>
-              <a:t>t</a:t>
-            </a:r>
-            <a:r>
-              <a:rPr lang="en-US" sz="1600" i="1" dirty="0" smtClean="0"/>
-              <a:t>hread-save</a:t>
+              <a:t>thread-save</a:t>
             </a:r>
             <a:r>
               <a:rPr lang="en-US" sz="1600" dirty="0" smtClean="0"/>
@@ -9412,11 +9069,7 @@
           <a:p>
             <a:r>
               <a:rPr lang="de-DE" dirty="0" smtClean="0"/>
-              <a:t>               LVOOP </a:t>
-            </a:r>
-            <a:r>
-              <a:rPr lang="de-DE" dirty="0" smtClean="0"/>
-              <a:t>Objects </a:t>
+              <a:t>               LVOOP Objects </a:t>
             </a:r>
             <a:r>
               <a:rPr lang="de-DE" dirty="0" err="1"/>
@@ -9471,11 +9124,7 @@
             </a:pPr>
             <a:r>
               <a:rPr lang="en-US" sz="1800" dirty="0" smtClean="0"/>
-              <a:t>An</a:t>
-            </a:r>
-            <a:r>
-              <a:rPr lang="en-US" sz="1800" dirty="0" smtClean="0"/>
-              <a:t> </a:t>
+              <a:t>An </a:t>
             </a:r>
             <a:r>
               <a:rPr lang="en-US" sz="1800" b="1" dirty="0" smtClean="0">
@@ -9513,11 +9162,7 @@
             </a:r>
             <a:r>
               <a:rPr lang="en-US" sz="1600" b="1" dirty="0" smtClean="0"/>
-              <a:t>C</a:t>
-            </a:r>
-            <a:r>
-              <a:rPr lang="en-US" sz="1600" b="1" dirty="0" smtClean="0"/>
-              <a:t>lass: cooking recipe </a:t>
+              <a:t>Class: cooking recipe </a:t>
             </a:r>
             <a:r>
               <a:rPr lang="en-US" sz="1600" dirty="0" smtClean="0"/>
@@ -9547,15 +9192,7 @@
             </a:r>
             <a:r>
               <a:rPr lang="en-US" sz="1800" b="1" dirty="0" smtClean="0"/>
-              <a:t>LabVIEW </a:t>
-            </a:r>
-            <a:r>
-              <a:rPr lang="en-US" sz="1800" b="1" dirty="0" smtClean="0"/>
-              <a:t>C</a:t>
-            </a:r>
-            <a:r>
-              <a:rPr lang="en-US" sz="1800" b="1" dirty="0" smtClean="0"/>
-              <a:t>lass </a:t>
+              <a:t>LabVIEW Class </a:t>
             </a:r>
             <a:r>
               <a:rPr lang="en-US" sz="1800" dirty="0" smtClean="0"/>
@@ -9715,15 +9352,7 @@
             </a:r>
             <a:r>
               <a:rPr lang="en-US" sz="1100" dirty="0" smtClean="0"/>
-              <a:t> These VIs provide the public </a:t>
-            </a:r>
-            <a:r>
-              <a:rPr lang="en-US" sz="1100" dirty="0" smtClean="0"/>
-              <a:t>i</a:t>
-            </a:r>
-            <a:r>
-              <a:rPr lang="en-US" sz="1100" dirty="0" smtClean="0"/>
-              <a:t>nterface!</a:t>
+              <a:t> These VIs provide the public interface!</a:t>
             </a:r>
           </a:p>
           <a:p>
@@ -10947,11 +10576,7 @@
             </a:pPr>
             <a:r>
               <a:rPr lang="en-US" dirty="0" smtClean="0"/>
-              <a:t>Every user c</a:t>
-            </a:r>
-            <a:r>
-              <a:rPr lang="en-US" dirty="0" smtClean="0"/>
-              <a:t>lass is derived from a base class</a:t>
+              <a:t>Every user class is derived from a base class</a:t>
             </a:r>
           </a:p>
           <a:p>
@@ -10990,11 +10615,7 @@
             </a:pPr>
             <a:r>
               <a:rPr lang="en-US" dirty="0" smtClean="0"/>
-              <a:t>No</a:t>
-            </a:r>
-            <a:r>
-              <a:rPr lang="en-US" dirty="0" smtClean="0"/>
-              <a:t> methods</a:t>
+              <a:t>No methods</a:t>
             </a:r>
           </a:p>
           <a:p>
@@ -11012,11 +10633,7 @@
             </a:r>
             <a:r>
               <a:rPr lang="en-US" sz="1700" b="1" i="1" dirty="0" smtClean="0"/>
-              <a:t>C</a:t>
-            </a:r>
-            <a:r>
-              <a:rPr lang="en-US" sz="1700" b="1" i="1" dirty="0" smtClean="0"/>
-              <a:t>lass</a:t>
+              <a:t>Class</a:t>
             </a:r>
             <a:r>
               <a:rPr lang="en-US" dirty="0" smtClean="0"/>
@@ -11086,33 +10703,17 @@
             </a:pPr>
             <a:r>
               <a:rPr lang="en-US" dirty="0" smtClean="0"/>
-              <a:t>new </a:t>
-            </a:r>
+              <a:t>new attributes</a:t>
+            </a:r>
+          </a:p>
+          <a:p>
+            <a:pPr marL="1714500" lvl="3" indent="-342900">
+              <a:buFont typeface="Arial" pitchFamily="34" charset="0"/>
+              <a:buChar char="•"/>
+            </a:pPr>
             <a:r>
               <a:rPr lang="en-US" dirty="0" smtClean="0"/>
-              <a:t>a</a:t>
-            </a:r>
-            <a:r>
-              <a:rPr lang="en-US" dirty="0" smtClean="0"/>
-              <a:t>ttributes</a:t>
-            </a:r>
-          </a:p>
-          <a:p>
-            <a:pPr marL="1714500" lvl="3" indent="-342900">
-              <a:buFont typeface="Arial" pitchFamily="34" charset="0"/>
-              <a:buChar char="•"/>
-            </a:pPr>
-            <a:r>
-              <a:rPr lang="en-US" dirty="0" smtClean="0"/>
-              <a:t>new </a:t>
-            </a:r>
-            <a:r>
-              <a:rPr lang="en-US" dirty="0" smtClean="0"/>
-              <a:t>m</a:t>
-            </a:r>
-            <a:r>
-              <a:rPr lang="en-US" dirty="0" smtClean="0"/>
-              <a:t>ethods</a:t>
+              <a:t>new methods</a:t>
             </a:r>
           </a:p>
           <a:p>
